--- a/老白學長ppt/TDOA noise covariance matrix.pptx
+++ b/老白學長ppt/TDOA noise covariance matrix.pptx
@@ -8,7 +8,6 @@
     <p:sldId id="256" r:id="rId2"/>
     <p:sldId id="257" r:id="rId3"/>
     <p:sldId id="258" r:id="rId4"/>
-    <p:sldId id="259" r:id="rId5"/>
   </p:sldIdLst>
   <p:sldSz cx="9144000" cy="6858000" type="screen4x3"/>
   <p:notesSz cx="6858000" cy="9144000"/>
@@ -305,7 +304,7 @@
           <a:p>
             <a:fld id="{C614CBB7-DB11-4A99-92BD-7DB4D10C0ED9}" type="datetimeFigureOut">
               <a:rPr lang="zh-TW" altLang="en-US" smtClean="0"/>
-              <a:t>2024/4/25</a:t>
+              <a:t>2024/6/20</a:t>
             </a:fld>
             <a:endParaRPr lang="zh-TW" altLang="en-US"/>
           </a:p>
@@ -473,7 +472,7 @@
           <a:p>
             <a:fld id="{C614CBB7-DB11-4A99-92BD-7DB4D10C0ED9}" type="datetimeFigureOut">
               <a:rPr lang="zh-TW" altLang="en-US" smtClean="0"/>
-              <a:t>2024/4/25</a:t>
+              <a:t>2024/6/20</a:t>
             </a:fld>
             <a:endParaRPr lang="zh-TW" altLang="en-US"/>
           </a:p>
@@ -651,7 +650,7 @@
           <a:p>
             <a:fld id="{C614CBB7-DB11-4A99-92BD-7DB4D10C0ED9}" type="datetimeFigureOut">
               <a:rPr lang="zh-TW" altLang="en-US" smtClean="0"/>
-              <a:t>2024/4/25</a:t>
+              <a:t>2024/6/20</a:t>
             </a:fld>
             <a:endParaRPr lang="zh-TW" altLang="en-US"/>
           </a:p>
@@ -819,7 +818,7 @@
           <a:p>
             <a:fld id="{C614CBB7-DB11-4A99-92BD-7DB4D10C0ED9}" type="datetimeFigureOut">
               <a:rPr lang="zh-TW" altLang="en-US" smtClean="0"/>
-              <a:t>2024/4/25</a:t>
+              <a:t>2024/6/20</a:t>
             </a:fld>
             <a:endParaRPr lang="zh-TW" altLang="en-US"/>
           </a:p>
@@ -1064,7 +1063,7 @@
           <a:p>
             <a:fld id="{C614CBB7-DB11-4A99-92BD-7DB4D10C0ED9}" type="datetimeFigureOut">
               <a:rPr lang="zh-TW" altLang="en-US" smtClean="0"/>
-              <a:t>2024/4/25</a:t>
+              <a:t>2024/6/20</a:t>
             </a:fld>
             <a:endParaRPr lang="zh-TW" altLang="en-US"/>
           </a:p>
@@ -1349,7 +1348,7 @@
           <a:p>
             <a:fld id="{C614CBB7-DB11-4A99-92BD-7DB4D10C0ED9}" type="datetimeFigureOut">
               <a:rPr lang="zh-TW" altLang="en-US" smtClean="0"/>
-              <a:t>2024/4/25</a:t>
+              <a:t>2024/6/20</a:t>
             </a:fld>
             <a:endParaRPr lang="zh-TW" altLang="en-US"/>
           </a:p>
@@ -1768,7 +1767,7 @@
           <a:p>
             <a:fld id="{C614CBB7-DB11-4A99-92BD-7DB4D10C0ED9}" type="datetimeFigureOut">
               <a:rPr lang="zh-TW" altLang="en-US" smtClean="0"/>
-              <a:t>2024/4/25</a:t>
+              <a:t>2024/6/20</a:t>
             </a:fld>
             <a:endParaRPr lang="zh-TW" altLang="en-US"/>
           </a:p>
@@ -1885,7 +1884,7 @@
           <a:p>
             <a:fld id="{C614CBB7-DB11-4A99-92BD-7DB4D10C0ED9}" type="datetimeFigureOut">
               <a:rPr lang="zh-TW" altLang="en-US" smtClean="0"/>
-              <a:t>2024/4/25</a:t>
+              <a:t>2024/6/20</a:t>
             </a:fld>
             <a:endParaRPr lang="zh-TW" altLang="en-US"/>
           </a:p>
@@ -1980,7 +1979,7 @@
           <a:p>
             <a:fld id="{C614CBB7-DB11-4A99-92BD-7DB4D10C0ED9}" type="datetimeFigureOut">
               <a:rPr lang="zh-TW" altLang="en-US" smtClean="0"/>
-              <a:t>2024/4/25</a:t>
+              <a:t>2024/6/20</a:t>
             </a:fld>
             <a:endParaRPr lang="zh-TW" altLang="en-US"/>
           </a:p>
@@ -2255,7 +2254,7 @@
           <a:p>
             <a:fld id="{C614CBB7-DB11-4A99-92BD-7DB4D10C0ED9}" type="datetimeFigureOut">
               <a:rPr lang="zh-TW" altLang="en-US" smtClean="0"/>
-              <a:t>2024/4/25</a:t>
+              <a:t>2024/6/20</a:t>
             </a:fld>
             <a:endParaRPr lang="zh-TW" altLang="en-US"/>
           </a:p>
@@ -2507,7 +2506,7 @@
           <a:p>
             <a:fld id="{C614CBB7-DB11-4A99-92BD-7DB4D10C0ED9}" type="datetimeFigureOut">
               <a:rPr lang="zh-TW" altLang="en-US" smtClean="0"/>
-              <a:t>2024/4/25</a:t>
+              <a:t>2024/6/20</a:t>
             </a:fld>
             <a:endParaRPr lang="zh-TW" altLang="en-US"/>
           </a:p>
@@ -2718,7 +2717,7 @@
           <a:p>
             <a:fld id="{C614CBB7-DB11-4A99-92BD-7DB4D10C0ED9}" type="datetimeFigureOut">
               <a:rPr lang="zh-TW" altLang="en-US" smtClean="0"/>
-              <a:t>2024/4/25</a:t>
+              <a:t>2024/6/20</a:t>
             </a:fld>
             <a:endParaRPr lang="zh-TW" altLang="en-US"/>
           </a:p>
@@ -3218,7 +3217,7 @@
           <a:graphicData uri="http://schemas.openxmlformats.org/presentationml/2006/ole">
             <mc:AlternateContent xmlns:mc="http://schemas.openxmlformats.org/markup-compatibility/2006">
               <mc:Choice xmlns:v="urn:schemas-microsoft-com:vml" Requires="v">
-                <p:oleObj spid="_x0000_s1035" name="Equation" r:id="rId3" imgW="4140000" imgH="2108160" progId="Equation.DSMT4">
+                <p:oleObj spid="_x0000_s1036" name="Equation" r:id="rId3" imgW="4140000" imgH="2108160" progId="Equation.DSMT4">
                   <p:embed/>
                 </p:oleObj>
               </mc:Choice>
@@ -3353,7 +3352,7 @@
           <a:graphicData uri="http://schemas.openxmlformats.org/presentationml/2006/ole">
             <mc:AlternateContent xmlns:mc="http://schemas.openxmlformats.org/markup-compatibility/2006">
               <mc:Choice xmlns:v="urn:schemas-microsoft-com:vml" Requires="v">
-                <p:oleObj spid="_x0000_s2057" name="Equation" r:id="rId3" imgW="2933640" imgH="2082600" progId="Equation.DSMT4">
+                <p:oleObj spid="_x0000_s2058" name="Equation" r:id="rId3" imgW="2933640" imgH="2082600" progId="Equation.DSMT4">
                   <p:embed/>
                 </p:oleObj>
               </mc:Choice>
@@ -3392,130 +3391,6 @@
     <p:extLst>
       <p:ext uri="{BB962C8B-B14F-4D97-AF65-F5344CB8AC3E}">
         <p14:creationId xmlns:p14="http://schemas.microsoft.com/office/powerpoint/2010/main" val="2263146881"/>
-      </p:ext>
-    </p:extLst>
-  </p:cSld>
-  <p:clrMapOvr>
-    <a:masterClrMapping/>
-  </p:clrMapOvr>
-</p:sld>
-</file>
-
-<file path=ppt/slides/slide4.xml><?xml version="1.0" encoding="utf-8"?>
-<p:sld xmlns:a="http://schemas.openxmlformats.org/drawingml/2006/main" xmlns:r="http://schemas.openxmlformats.org/officeDocument/2006/relationships" xmlns:p="http://schemas.openxmlformats.org/presentationml/2006/main">
-  <p:cSld>
-    <p:spTree>
-      <p:nvGrpSpPr>
-        <p:cNvPr id="1" name=""/>
-        <p:cNvGrpSpPr/>
-        <p:nvPr/>
-      </p:nvGrpSpPr>
-      <p:grpSpPr>
-        <a:xfrm>
-          <a:off x="0" y="0"/>
-          <a:ext cx="0" cy="0"/>
-          <a:chOff x="0" y="0"/>
-          <a:chExt cx="0" cy="0"/>
-        </a:xfrm>
-      </p:grpSpPr>
-      <p:sp>
-        <p:nvSpPr>
-          <p:cNvPr id="2" name="標題 1">
-            <a:extLst>
-              <a:ext uri="{FF2B5EF4-FFF2-40B4-BE49-F238E27FC236}">
-                <a16:creationId xmlns:a16="http://schemas.microsoft.com/office/drawing/2014/main" id="{36589918-5268-4219-A5CD-902D75874BD6}"/>
-              </a:ext>
-            </a:extLst>
-          </p:cNvPr>
-          <p:cNvSpPr>
-            <a:spLocks noGrp="1"/>
-          </p:cNvSpPr>
-          <p:nvPr>
-            <p:ph type="title"/>
-          </p:nvPr>
-        </p:nvSpPr>
-        <p:spPr/>
-        <p:txBody>
-          <a:bodyPr/>
-          <a:lstStyle/>
-          <a:p>
-            <a:endParaRPr lang="zh-TW" altLang="en-US"/>
-          </a:p>
-        </p:txBody>
-      </p:sp>
-      <p:sp>
-        <p:nvSpPr>
-          <p:cNvPr id="3" name="內容版面配置區 2">
-            <a:extLst>
-              <a:ext uri="{FF2B5EF4-FFF2-40B4-BE49-F238E27FC236}">
-                <a16:creationId xmlns:a16="http://schemas.microsoft.com/office/drawing/2014/main" id="{D0F88038-B267-43ED-AF06-8D883C8593CE}"/>
-              </a:ext>
-            </a:extLst>
-          </p:cNvPr>
-          <p:cNvSpPr>
-            <a:spLocks noGrp="1"/>
-          </p:cNvSpPr>
-          <p:nvPr>
-            <p:ph idx="1"/>
-          </p:nvPr>
-        </p:nvSpPr>
-        <p:spPr/>
-        <p:txBody>
-          <a:bodyPr>
-            <a:normAutofit/>
-          </a:bodyPr>
-          <a:lstStyle/>
-          <a:p>
-            <a:r>
-              <a:rPr lang="en-US" altLang="zh-TW" sz="1050"/>
-              <a:t>To Danny</a:t>
-            </a:r>
-          </a:p>
-          <a:p>
-            <a:r>
-              <a:rPr lang="en-US" altLang="zh-TW" sz="1050"/>
-              <a:t>  </a:t>
-            </a:r>
-            <a:r>
-              <a:rPr lang="zh-TW" altLang="en-US" sz="1050"/>
-              <a:t>雖然你的生日已經過了一個多月了，但還是先在這裡祝你生日快樂，兩年的時間過得很快，畢業之後大家見面的時間可能會變得很少，但還是要常常約吃飯喔</a:t>
-            </a:r>
-            <a:r>
-              <a:rPr lang="en-US" altLang="zh-TW" sz="1050"/>
-              <a:t>!</a:t>
-            </a:r>
-            <a:r>
-              <a:rPr lang="zh-TW" altLang="en-US" sz="1050"/>
-              <a:t>想當初第一次跟你說話是在饗食天堂，本來以為跟你們混熟要一段時間，沒想到第一天就可以聊那麼多東西，在實驗室的這些日子很慶幸有你們這些好友兼同事可以互相鼓勵扶持，一起跟老白對抗 </a:t>
-            </a:r>
-            <a:r>
-              <a:rPr lang="en-US" altLang="zh-TW" sz="1050"/>
-              <a:t>(</a:t>
-            </a:r>
-            <a:r>
-              <a:rPr lang="zh-TW" altLang="en-US" sz="1050"/>
-              <a:t>沒，最後希望你可以找到理想的工作然後年薪幾百萬</a:t>
-            </a:r>
-            <a:r>
-              <a:rPr lang="en-US" altLang="zh-TW" sz="1050"/>
-              <a:t>!</a:t>
-            </a:r>
-            <a:r>
-              <a:rPr lang="zh-TW" altLang="en-US" sz="1050"/>
-              <a:t>跟女朋友也可以趕快結婚生小孩  哈哈哈哈    </a:t>
-            </a:r>
-            <a:r>
-              <a:rPr lang="en-US" altLang="zh-TW" sz="1050"/>
-              <a:t>anchi~~</a:t>
-            </a:r>
-            <a:endParaRPr lang="zh-TW" altLang="en-US" sz="1050"/>
-          </a:p>
-        </p:txBody>
-      </p:sp>
-    </p:spTree>
-    <p:extLst>
-      <p:ext uri="{BB962C8B-B14F-4D97-AF65-F5344CB8AC3E}">
-        <p14:creationId xmlns:p14="http://schemas.microsoft.com/office/powerpoint/2010/main" val="289938906"/>
       </p:ext>
     </p:extLst>
   </p:cSld>
